--- a/document/중간발표자료.pptx
+++ b/document/중간발표자료.pptx
@@ -107,6 +107,11 @@
       </a:defRPr>
     </a:lvl9pPr>
   </p:defaultTextStyle>
+  <p:extLst>
+    <p:ext uri="{EFAFB233-063F-42B5-8137-9DF3F51BA10A}">
+      <p15:sldGuideLst xmlns:p15="http://schemas.microsoft.com/office/powerpoint/2012/main"/>
+    </p:ext>
+  </p:extLst>
 </p:presentation>
 </file>
 
@@ -5825,25 +5830,23 @@
           <a:p>
             <a:r>
               <a:rPr lang="ko-KR" altLang="en-US" sz="4400" dirty="0"/>
-              <a:t>적을 무찌르고 자원을 획득</a:t>
-            </a:r>
-            <a:r>
-              <a:rPr lang="en-US" altLang="ko-KR" sz="4400" dirty="0"/>
-              <a:t>, </a:t>
-            </a:r>
+              <a:t>적을 무찌르고 자원을 획득해 </a:t>
+            </a:r>
+            <a:endParaRPr lang="en-US" altLang="ko-KR" sz="4400" dirty="0"/>
           </a:p>
           <a:p>
             <a:pPr marL="0" indent="0">
               <a:buNone/>
             </a:pPr>
             <a:r>
-              <a:rPr lang="ko-KR" altLang="en-US" sz="4400" dirty="0"/>
-              <a:t>  기지로 운반해 돈을 번다</a:t>
-            </a:r>
-            <a:r>
-              <a:rPr lang="en-US" altLang="ko-KR" sz="4400" dirty="0"/>
-              <a:t>.</a:t>
-            </a:r>
+              <a:rPr lang="en-US" altLang="ko-KR" sz="4400"/>
+              <a:t>  </a:t>
+            </a:r>
+            <a:r>
+              <a:rPr lang="ko-KR" altLang="en-US" sz="4400"/>
+              <a:t>돈을 버는 게임</a:t>
+            </a:r>
+            <a:endParaRPr lang="en-US" altLang="ko-KR" sz="4400" dirty="0"/>
           </a:p>
         </p:txBody>
       </p:sp>
